--- a/docs/women-safety.pptx
+++ b/docs/women-safety.pptx
@@ -126,7 +126,7 @@
   </p:defaultTextStyle>
   <p:extLst>
     <p:ext uri="{EFAFB233-063F-42B5-8137-9DF3F51BA10A}">
-      <p15:sldGuideLst xmlns:p15="http://schemas.microsoft.com/office/powerpoint/2012/main"/>
+      <p15:sldGuideLst xmlns:p15="http://schemas.microsoft.com/office/powerpoint/2012/main" xmlns=""/>
     </p:ext>
   </p:extLst>
 </p:presentation>
@@ -474,7 +474,7 @@
             <a:fld id="{5923F103-BC34-4FE4-A40E-EDDEECFDA5D0}" type="datetimeFigureOut">
               <a:rPr lang="en-US" dirty="0"/>
               <a:pPr/>
-              <a:t>11/20/2024</a:t>
+              <a:t>11/21/2024</a:t>
             </a:fld>
             <a:endParaRPr lang="en-US" dirty="0"/>
           </a:p>
@@ -586,7 +586,7 @@
     </p:spTree>
     <p:extLst>
       <p:ext uri="{BB962C8B-B14F-4D97-AF65-F5344CB8AC3E}">
-        <p14:creationId xmlns:p14="http://schemas.microsoft.com/office/powerpoint/2010/main" val="1771960407"/>
+        <p14:creationId xmlns:p14="http://schemas.microsoft.com/office/powerpoint/2010/main" xmlns="" val="1771960407"/>
       </p:ext>
     </p:extLst>
   </p:cSld>
@@ -1562,7 +1562,8 @@
           <a:p>
             <a:fld id="{923A1CC3-2375-41D4-9E03-427CAF2A4C1A}" type="datetimeFigureOut">
               <a:rPr lang="en-US" dirty="0"/>
-              <a:t>11/20/2024</a:t>
+              <a:pPr/>
+              <a:t>11/21/2024</a:t>
             </a:fld>
             <a:endParaRPr lang="en-US" dirty="0"/>
           </a:p>
@@ -1654,7 +1655,7 @@
     </p:spTree>
     <p:extLst>
       <p:ext uri="{BB962C8B-B14F-4D97-AF65-F5344CB8AC3E}">
-        <p14:creationId xmlns:p14="http://schemas.microsoft.com/office/powerpoint/2010/main" val="3135414357"/>
+        <p14:creationId xmlns:p14="http://schemas.microsoft.com/office/powerpoint/2010/main" xmlns="" val="3135414357"/>
       </p:ext>
     </p:extLst>
   </p:cSld>
@@ -2546,7 +2547,8 @@
           <a:p>
             <a:fld id="{AFF16868-8199-4C2C-A5B1-63AEE139F88E}" type="datetimeFigureOut">
               <a:rPr lang="en-US" dirty="0"/>
-              <a:t>11/20/2024</a:t>
+              <a:pPr/>
+              <a:t>11/21/2024</a:t>
             </a:fld>
             <a:endParaRPr lang="en-US" dirty="0"/>
           </a:p>
@@ -2638,7 +2640,7 @@
     </p:spTree>
     <p:extLst>
       <p:ext uri="{BB962C8B-B14F-4D97-AF65-F5344CB8AC3E}">
-        <p14:creationId xmlns:p14="http://schemas.microsoft.com/office/powerpoint/2010/main" val="86489784"/>
+        <p14:creationId xmlns:p14="http://schemas.microsoft.com/office/powerpoint/2010/main" xmlns="" val="86489784"/>
       </p:ext>
     </p:extLst>
   </p:cSld>
@@ -3684,7 +3686,8 @@
           <a:p>
             <a:fld id="{AAD9FF7F-6988-44CC-821B-644E70CD2F73}" type="datetimeFigureOut">
               <a:rPr lang="en-US" dirty="0"/>
-              <a:t>11/20/2024</a:t>
+              <a:pPr/>
+              <a:t>11/21/2024</a:t>
             </a:fld>
             <a:endParaRPr lang="en-US" dirty="0"/>
           </a:p>
@@ -3776,7 +3779,7 @@
     </p:spTree>
     <p:extLst>
       <p:ext uri="{BB962C8B-B14F-4D97-AF65-F5344CB8AC3E}">
-        <p14:creationId xmlns:p14="http://schemas.microsoft.com/office/powerpoint/2010/main" val="3833744441"/>
+        <p14:creationId xmlns:p14="http://schemas.microsoft.com/office/powerpoint/2010/main" xmlns="" val="3833744441"/>
       </p:ext>
     </p:extLst>
   </p:cSld>
@@ -4721,7 +4724,8 @@
           <a:p>
             <a:fld id="{5C12C299-16B2-4475-990D-751901EACC14}" type="datetimeFigureOut">
               <a:rPr lang="en-US" dirty="0"/>
-              <a:t>11/20/2024</a:t>
+              <a:pPr/>
+              <a:t>11/21/2024</a:t>
             </a:fld>
             <a:endParaRPr lang="en-US" dirty="0"/>
           </a:p>
@@ -4813,7 +4817,7 @@
     </p:spTree>
     <p:extLst>
       <p:ext uri="{BB962C8B-B14F-4D97-AF65-F5344CB8AC3E}">
-        <p14:creationId xmlns:p14="http://schemas.microsoft.com/office/powerpoint/2010/main" val="145250039"/>
+        <p14:creationId xmlns:p14="http://schemas.microsoft.com/office/powerpoint/2010/main" xmlns="" val="145250039"/>
       </p:ext>
     </p:extLst>
   </p:cSld>
@@ -5385,7 +5389,8 @@
           <a:p>
             <a:fld id="{9FE86839-B9D8-4651-8783-F325ECE74E65}" type="datetimeFigureOut">
               <a:rPr lang="en-US" dirty="0"/>
-              <a:t>11/20/2024</a:t>
+              <a:pPr/>
+              <a:t>11/21/2024</a:t>
             </a:fld>
             <a:endParaRPr lang="en-US" dirty="0"/>
           </a:p>
@@ -5441,7 +5446,7 @@
     </p:spTree>
     <p:extLst>
       <p:ext uri="{BB962C8B-B14F-4D97-AF65-F5344CB8AC3E}">
-        <p14:creationId xmlns:p14="http://schemas.microsoft.com/office/powerpoint/2010/main" val="3708642345"/>
+        <p14:creationId xmlns:p14="http://schemas.microsoft.com/office/powerpoint/2010/main" xmlns="" val="3708642345"/>
       </p:ext>
     </p:extLst>
   </p:cSld>
@@ -6238,7 +6243,8 @@
           <a:p>
             <a:fld id="{FD484F64-32F6-45C5-931F-ADC1662401D0}" type="datetimeFigureOut">
               <a:rPr lang="en-US" dirty="0"/>
-              <a:t>11/20/2024</a:t>
+              <a:pPr/>
+              <a:t>11/21/2024</a:t>
             </a:fld>
             <a:endParaRPr lang="en-US" dirty="0"/>
           </a:p>
@@ -6299,7 +6305,7 @@
     </p:spTree>
     <p:extLst>
       <p:ext uri="{BB962C8B-B14F-4D97-AF65-F5344CB8AC3E}">
-        <p14:creationId xmlns:p14="http://schemas.microsoft.com/office/powerpoint/2010/main" val="3719042074"/>
+        <p14:creationId xmlns:p14="http://schemas.microsoft.com/office/powerpoint/2010/main" xmlns="" val="3719042074"/>
       </p:ext>
     </p:extLst>
   </p:cSld>
@@ -6431,7 +6437,8 @@
           <a:p>
             <a:fld id="{53086D93-FCAC-47E0-A2EE-787E62CA814C}" type="datetimeFigureOut">
               <a:rPr lang="en-US" dirty="0"/>
-              <a:t>11/20/2024</a:t>
+              <a:pPr/>
+              <a:t>11/21/2024</a:t>
             </a:fld>
             <a:endParaRPr lang="en-US" dirty="0"/>
           </a:p>
@@ -6487,7 +6494,7 @@
     </p:spTree>
     <p:extLst>
       <p:ext uri="{BB962C8B-B14F-4D97-AF65-F5344CB8AC3E}">
-        <p14:creationId xmlns:p14="http://schemas.microsoft.com/office/powerpoint/2010/main" val="4245912861"/>
+        <p14:creationId xmlns:p14="http://schemas.microsoft.com/office/powerpoint/2010/main" xmlns="" val="4245912861"/>
       </p:ext>
     </p:extLst>
   </p:cSld>
@@ -7406,7 +7413,8 @@
           <a:p>
             <a:fld id="{CDA879A6-0FD0-4734-A311-86BFCA472E6E}" type="datetimeFigureOut">
               <a:rPr lang="en-US" dirty="0"/>
-              <a:t>11/20/2024</a:t>
+              <a:pPr/>
+              <a:t>11/21/2024</a:t>
             </a:fld>
             <a:endParaRPr lang="en-US" dirty="0"/>
           </a:p>
@@ -7498,7 +7506,7 @@
     </p:spTree>
     <p:extLst>
       <p:ext uri="{BB962C8B-B14F-4D97-AF65-F5344CB8AC3E}">
-        <p14:creationId xmlns:p14="http://schemas.microsoft.com/office/powerpoint/2010/main" val="3947188532"/>
+        <p14:creationId xmlns:p14="http://schemas.microsoft.com/office/powerpoint/2010/main" xmlns="" val="3947188532"/>
       </p:ext>
     </p:extLst>
   </p:cSld>
@@ -7620,7 +7628,8 @@
           <a:p>
             <a:fld id="{19C9CA7B-DFD4-44B5-8C60-D14B8CD1FB59}" type="datetimeFigureOut">
               <a:rPr lang="en-US" dirty="0"/>
-              <a:t>11/20/2024</a:t>
+              <a:pPr/>
+              <a:t>11/21/2024</a:t>
             </a:fld>
             <a:endParaRPr lang="en-US" dirty="0"/>
           </a:p>
@@ -7676,7 +7685,7 @@
     </p:spTree>
     <p:extLst>
       <p:ext uri="{BB962C8B-B14F-4D97-AF65-F5344CB8AC3E}">
-        <p14:creationId xmlns:p14="http://schemas.microsoft.com/office/powerpoint/2010/main" val="2139113882"/>
+        <p14:creationId xmlns:p14="http://schemas.microsoft.com/office/powerpoint/2010/main" xmlns="" val="2139113882"/>
       </p:ext>
     </p:extLst>
   </p:cSld>
@@ -8658,7 +8667,8 @@
           <a:p>
             <a:fld id="{F34E6425-0181-43F2-84FC-787E803FD2F8}" type="datetimeFigureOut">
               <a:rPr lang="en-US" dirty="0"/>
-              <a:t>11/20/2024</a:t>
+              <a:pPr/>
+              <a:t>11/21/2024</a:t>
             </a:fld>
             <a:endParaRPr lang="en-US" dirty="0"/>
           </a:p>
@@ -8750,7 +8760,7 @@
     </p:spTree>
     <p:extLst>
       <p:ext uri="{BB962C8B-B14F-4D97-AF65-F5344CB8AC3E}">
-        <p14:creationId xmlns:p14="http://schemas.microsoft.com/office/powerpoint/2010/main" val="1418574454"/>
+        <p14:creationId xmlns:p14="http://schemas.microsoft.com/office/powerpoint/2010/main" xmlns="" val="1418574454"/>
       </p:ext>
     </p:extLst>
   </p:cSld>
@@ -8932,7 +8942,8 @@
           <a:p>
             <a:fld id="{3BDB8791-F1B0-41E7-B7FD-A781E65C4266}" type="datetimeFigureOut">
               <a:rPr lang="en-US" dirty="0"/>
-              <a:t>11/20/2024</a:t>
+              <a:pPr/>
+              <a:t>11/21/2024</a:t>
             </a:fld>
             <a:endParaRPr lang="en-US" dirty="0"/>
           </a:p>
@@ -8988,7 +8999,7 @@
     </p:spTree>
     <p:extLst>
       <p:ext uri="{BB962C8B-B14F-4D97-AF65-F5344CB8AC3E}">
-        <p14:creationId xmlns:p14="http://schemas.microsoft.com/office/powerpoint/2010/main" val="3325134493"/>
+        <p14:creationId xmlns:p14="http://schemas.microsoft.com/office/powerpoint/2010/main" xmlns="" val="3325134493"/>
       </p:ext>
     </p:extLst>
   </p:cSld>
@@ -9344,7 +9355,8 @@
           <a:p>
             <a:fld id="{5FDD63B2-E120-4ED8-B27B-C685F510A5FE}" type="datetimeFigureOut">
               <a:rPr lang="en-US" dirty="0"/>
-              <a:t>11/20/2024</a:t>
+              <a:pPr/>
+              <a:t>11/21/2024</a:t>
             </a:fld>
             <a:endParaRPr lang="en-US" dirty="0"/>
           </a:p>
@@ -9400,7 +9412,7 @@
     </p:spTree>
     <p:extLst>
       <p:ext uri="{BB962C8B-B14F-4D97-AF65-F5344CB8AC3E}">
-        <p14:creationId xmlns:p14="http://schemas.microsoft.com/office/powerpoint/2010/main" val="2421390434"/>
+        <p14:creationId xmlns:p14="http://schemas.microsoft.com/office/powerpoint/2010/main" xmlns="" val="2421390434"/>
       </p:ext>
     </p:extLst>
   </p:cSld>
@@ -9475,7 +9487,8 @@
           <a:p>
             <a:fld id="{7AA18ACC-A947-437B-A130-35BD54FDF1E9}" type="datetimeFigureOut">
               <a:rPr lang="en-US" dirty="0"/>
-              <a:t>11/20/2024</a:t>
+              <a:pPr/>
+              <a:t>11/21/2024</a:t>
             </a:fld>
             <a:endParaRPr lang="en-US" dirty="0"/>
           </a:p>
@@ -9531,7 +9544,7 @@
     </p:spTree>
     <p:extLst>
       <p:ext uri="{BB962C8B-B14F-4D97-AF65-F5344CB8AC3E}">
-        <p14:creationId xmlns:p14="http://schemas.microsoft.com/office/powerpoint/2010/main" val="628738571"/>
+        <p14:creationId xmlns:p14="http://schemas.microsoft.com/office/powerpoint/2010/main" xmlns="" val="628738571"/>
       </p:ext>
     </p:extLst>
   </p:cSld>
@@ -9575,7 +9588,8 @@
           <a:p>
             <a:fld id="{7C8D7E02-BCB8-4D50-A234-369438C08659}" type="datetimeFigureOut">
               <a:rPr lang="en-US" dirty="0"/>
-              <a:t>11/20/2024</a:t>
+              <a:pPr/>
+              <a:t>11/21/2024</a:t>
             </a:fld>
             <a:endParaRPr lang="en-US" dirty="0"/>
           </a:p>
@@ -9667,7 +9681,7 @@
     </p:spTree>
     <p:extLst>
       <p:ext uri="{BB962C8B-B14F-4D97-AF65-F5344CB8AC3E}">
-        <p14:creationId xmlns:p14="http://schemas.microsoft.com/office/powerpoint/2010/main" val="2546417458"/>
+        <p14:creationId xmlns:p14="http://schemas.microsoft.com/office/powerpoint/2010/main" xmlns="" val="2546417458"/>
       </p:ext>
     </p:extLst>
   </p:cSld>
@@ -10659,7 +10673,8 @@
           <a:p>
             <a:fld id="{76E86A4C-8E40-4F87-A4F0-01A0687C5742}" type="datetimeFigureOut">
               <a:rPr lang="en-US" dirty="0"/>
-              <a:t>11/20/2024</a:t>
+              <a:pPr/>
+              <a:t>11/21/2024</a:t>
             </a:fld>
             <a:endParaRPr lang="en-US" dirty="0"/>
           </a:p>
@@ -10751,7 +10766,7 @@
     </p:spTree>
     <p:extLst>
       <p:ext uri="{BB962C8B-B14F-4D97-AF65-F5344CB8AC3E}">
-        <p14:creationId xmlns:p14="http://schemas.microsoft.com/office/powerpoint/2010/main" val="1288303162"/>
+        <p14:creationId xmlns:p14="http://schemas.microsoft.com/office/powerpoint/2010/main" xmlns="" val="1288303162"/>
       </p:ext>
     </p:extLst>
   </p:cSld>
@@ -11767,7 +11782,8 @@
           <a:p>
             <a:fld id="{35E72C73-2D91-4E12-BA25-F0AA0C03599B}" type="datetimeFigureOut">
               <a:rPr lang="en-US" dirty="0"/>
-              <a:t>11/20/2024</a:t>
+              <a:pPr/>
+              <a:t>11/21/2024</a:t>
             </a:fld>
             <a:endParaRPr lang="en-US" dirty="0"/>
           </a:p>
@@ -11859,7 +11875,7 @@
     </p:spTree>
     <p:extLst>
       <p:ext uri="{BB962C8B-B14F-4D97-AF65-F5344CB8AC3E}">
-        <p14:creationId xmlns:p14="http://schemas.microsoft.com/office/powerpoint/2010/main" val="1858636340"/>
+        <p14:creationId xmlns:p14="http://schemas.microsoft.com/office/powerpoint/2010/main" xmlns="" val="1858636340"/>
       </p:ext>
     </p:extLst>
   </p:cSld>
@@ -12767,7 +12783,8 @@
           <a:p>
             <a:fld id="{2BE451C3-0FF4-47C4-B829-773ADF60F88C}" type="datetimeFigureOut">
               <a:rPr lang="en-US" dirty="0"/>
-              <a:t>11/20/2024</a:t>
+              <a:pPr/>
+              <a:t>11/21/2024</a:t>
             </a:fld>
             <a:endParaRPr lang="en-US" dirty="0"/>
           </a:p>
@@ -12891,7 +12908,7 @@
     </p:spTree>
     <p:extLst>
       <p:ext uri="{BB962C8B-B14F-4D97-AF65-F5344CB8AC3E}">
-        <p14:creationId xmlns:p14="http://schemas.microsoft.com/office/powerpoint/2010/main" val="632887034"/>
+        <p14:creationId xmlns:p14="http://schemas.microsoft.com/office/powerpoint/2010/main" xmlns="" val="632887034"/>
       </p:ext>
     </p:extLst>
   </p:cSld>
@@ -13354,21 +13371,45 @@
           <a:p>
             <a:r>
               <a:rPr lang="en-GB" dirty="0"/>
-              <a:t>WOMEN SAFETY  ANALYSIS</a:t>
+              <a:t>WOMEN SAFETY  </a:t>
+            </a:r>
+            <a:r>
+              <a:rPr lang="en-GB" dirty="0" smtClean="0"/>
+              <a:t>ANALYTICS</a:t>
+            </a:r>
+            <a:r>
+              <a:rPr lang="en-GB" dirty="0"/>
+              <a:t/>
             </a:r>
             <a:br>
               <a:rPr lang="en-GB" dirty="0"/>
             </a:br>
             <a:r>
               <a:rPr lang="en-GB" sz="2400" dirty="0"/>
-              <a:t>Mini project</a:t>
+              <a:t>Mini </a:t>
+            </a:r>
+            <a:r>
+              <a:rPr lang="en-GB" sz="2400" dirty="0" smtClean="0"/>
+              <a:t>project (Group No. 05)</a:t>
+            </a:r>
+            <a:r>
+              <a:rPr lang="en-GB" sz="2400" dirty="0"/>
+              <a:t/>
             </a:r>
             <a:br>
               <a:rPr lang="en-GB" sz="2400" dirty="0"/>
             </a:br>
             <a:r>
               <a:rPr lang="en-GB" sz="2400" dirty="0"/>
-              <a:t>Semester – 3</a:t>
+              <a:t>Semester – </a:t>
+            </a:r>
+            <a:r>
+              <a:rPr lang="en-GB" sz="2400" dirty="0" smtClean="0"/>
+              <a:t>03</a:t>
+            </a:r>
+            <a:r>
+              <a:rPr lang="en-GB" sz="2400" dirty="0"/>
+              <a:t/>
             </a:r>
             <a:br>
               <a:rPr lang="en-GB" sz="2400" dirty="0"/>
@@ -13468,7 +13509,7 @@
     </p:spTree>
     <p:extLst>
       <p:ext uri="{BB962C8B-B14F-4D97-AF65-F5344CB8AC3E}">
-        <p14:creationId xmlns:p14="http://schemas.microsoft.com/office/powerpoint/2010/main" val="109857222"/>
+        <p14:creationId xmlns:p14="http://schemas.microsoft.com/office/powerpoint/2010/main" xmlns="" val="109857222"/>
       </p:ext>
     </p:extLst>
   </p:cSld>
@@ -13530,7 +13571,7 @@
           <p:cNvPr id="4" name="Content Placeholder 3">
             <a:extLst>
               <a:ext uri="{FF2B5EF4-FFF2-40B4-BE49-F238E27FC236}">
-                <a16:creationId xmlns="" xmlns:a16="http://schemas.microsoft.com/office/drawing/2014/main" id="{F67B46D3-B8DD-CDA8-6D51-34BED37BE85E}"/>
+                <a16:creationId xmlns:a16="http://schemas.microsoft.com/office/drawing/2014/main" xmlns="" id="{F67B46D3-B8DD-CDA8-6D51-34BED37BE85E}"/>
               </a:ext>
             </a:extLst>
           </p:cNvPr>
@@ -13654,7 +13695,7 @@
     </p:spTree>
     <p:extLst>
       <p:ext uri="{BB962C8B-B14F-4D97-AF65-F5344CB8AC3E}">
-        <p14:creationId xmlns:p14="http://schemas.microsoft.com/office/powerpoint/2010/main" val="3514724172"/>
+        <p14:creationId xmlns:p14="http://schemas.microsoft.com/office/powerpoint/2010/main" xmlns="" val="3514724172"/>
       </p:ext>
     </p:extLst>
   </p:cSld>
@@ -13686,7 +13727,7 @@
           <p:cNvPr id="2" name="Title 1">
             <a:extLst>
               <a:ext uri="{FF2B5EF4-FFF2-40B4-BE49-F238E27FC236}">
-                <a16:creationId xmlns="" xmlns:a16="http://schemas.microsoft.com/office/drawing/2014/main" id="{A7BF182E-AA18-68E4-035E-C2A149A11B23}"/>
+                <a16:creationId xmlns:a16="http://schemas.microsoft.com/office/drawing/2014/main" xmlns="" id="{A7BF182E-AA18-68E4-035E-C2A149A11B23}"/>
               </a:ext>
             </a:extLst>
           </p:cNvPr>
@@ -13719,7 +13760,7 @@
           <p:cNvPr id="5" name="Content Placeholder 4">
             <a:extLst>
               <a:ext uri="{FF2B5EF4-FFF2-40B4-BE49-F238E27FC236}">
-                <a16:creationId xmlns="" xmlns:a16="http://schemas.microsoft.com/office/drawing/2014/main" id="{FE3FCD8D-174A-5E27-5DA3-AEBF9B2FC199}"/>
+                <a16:creationId xmlns:a16="http://schemas.microsoft.com/office/drawing/2014/main" xmlns="" id="{FE3FCD8D-174A-5E27-5DA3-AEBF9B2FC199}"/>
               </a:ext>
             </a:extLst>
           </p:cNvPr>
@@ -13804,7 +13845,7 @@
           <p:cNvPr id="6" name="TextBox 5">
             <a:extLst>
               <a:ext uri="{FF2B5EF4-FFF2-40B4-BE49-F238E27FC236}">
-                <a16:creationId xmlns="" xmlns:a16="http://schemas.microsoft.com/office/drawing/2014/main" id="{9299D50F-072F-F531-ED9D-C5B64C4F75D9}"/>
+                <a16:creationId xmlns:a16="http://schemas.microsoft.com/office/drawing/2014/main" xmlns="" id="{9299D50F-072F-F531-ED9D-C5B64C4F75D9}"/>
               </a:ext>
             </a:extLst>
           </p:cNvPr>
@@ -13880,7 +13921,7 @@
           <p:cNvPr id="7" name="TextBox 6">
             <a:extLst>
               <a:ext uri="{FF2B5EF4-FFF2-40B4-BE49-F238E27FC236}">
-                <a16:creationId xmlns="" xmlns:a16="http://schemas.microsoft.com/office/drawing/2014/main" id="{E34BC1E5-C8F4-724D-D639-86EBF7CE3753}"/>
+                <a16:creationId xmlns:a16="http://schemas.microsoft.com/office/drawing/2014/main" xmlns="" id="{E34BC1E5-C8F4-724D-D639-86EBF7CE3753}"/>
               </a:ext>
             </a:extLst>
           </p:cNvPr>
@@ -13953,7 +13994,7 @@
           <p:cNvPr id="8" name="TextBox 7">
             <a:extLst>
               <a:ext uri="{FF2B5EF4-FFF2-40B4-BE49-F238E27FC236}">
-                <a16:creationId xmlns="" xmlns:a16="http://schemas.microsoft.com/office/drawing/2014/main" id="{8960E12E-C421-3C53-AF0F-239F64C3D526}"/>
+                <a16:creationId xmlns:a16="http://schemas.microsoft.com/office/drawing/2014/main" xmlns="" id="{8960E12E-C421-3C53-AF0F-239F64C3D526}"/>
               </a:ext>
             </a:extLst>
           </p:cNvPr>
@@ -14030,7 +14071,7 @@
     </p:spTree>
     <p:extLst>
       <p:ext uri="{BB962C8B-B14F-4D97-AF65-F5344CB8AC3E}">
-        <p14:creationId xmlns:p14="http://schemas.microsoft.com/office/powerpoint/2010/main" val="2031498996"/>
+        <p14:creationId xmlns:p14="http://schemas.microsoft.com/office/powerpoint/2010/main" xmlns="" val="2031498996"/>
       </p:ext>
     </p:extLst>
   </p:cSld>
@@ -14076,7 +14117,7 @@
           <a:blip r:embed="rId2">
             <a:extLst>
               <a:ext uri="{28A0092B-C50C-407E-A947-70E740481C1C}">
-                <a14:useLocalDpi xmlns:a14="http://schemas.microsoft.com/office/drawing/2010/main" val="0"/>
+                <a14:useLocalDpi xmlns:a14="http://schemas.microsoft.com/office/drawing/2010/main" xmlns="" val="0"/>
               </a:ext>
             </a:extLst>
           </a:blip>
@@ -14145,7 +14186,7 @@
     </p:spTree>
     <p:extLst>
       <p:ext uri="{BB962C8B-B14F-4D97-AF65-F5344CB8AC3E}">
-        <p14:creationId xmlns:p14="http://schemas.microsoft.com/office/powerpoint/2010/main" val="498138375"/>
+        <p14:creationId xmlns:p14="http://schemas.microsoft.com/office/powerpoint/2010/main" xmlns="" val="498138375"/>
       </p:ext>
     </p:extLst>
   </p:cSld>
@@ -14221,7 +14262,7 @@
           <a:blip r:embed="rId2">
             <a:extLst>
               <a:ext uri="{28A0092B-C50C-407E-A947-70E740481C1C}">
-                <a14:useLocalDpi xmlns:a14="http://schemas.microsoft.com/office/drawing/2010/main" val="0"/>
+                <a14:useLocalDpi xmlns:a14="http://schemas.microsoft.com/office/drawing/2010/main" xmlns="" val="0"/>
               </a:ext>
             </a:extLst>
           </a:blip>
@@ -14242,7 +14283,7 @@
     </p:spTree>
     <p:extLst>
       <p:ext uri="{BB962C8B-B14F-4D97-AF65-F5344CB8AC3E}">
-        <p14:creationId xmlns:p14="http://schemas.microsoft.com/office/powerpoint/2010/main" val="935155773"/>
+        <p14:creationId xmlns:p14="http://schemas.microsoft.com/office/powerpoint/2010/main" xmlns="" val="935155773"/>
       </p:ext>
     </p:extLst>
   </p:cSld>
@@ -14318,7 +14359,7 @@
           <a:blip r:embed="rId2">
             <a:extLst>
               <a:ext uri="{28A0092B-C50C-407E-A947-70E740481C1C}">
-                <a14:useLocalDpi xmlns:a14="http://schemas.microsoft.com/office/drawing/2010/main" val="0"/>
+                <a14:useLocalDpi xmlns:a14="http://schemas.microsoft.com/office/drawing/2010/main" xmlns="" val="0"/>
               </a:ext>
             </a:extLst>
           </a:blip>
@@ -14369,7 +14410,7 @@
     </p:spTree>
     <p:extLst>
       <p:ext uri="{BB962C8B-B14F-4D97-AF65-F5344CB8AC3E}">
-        <p14:creationId xmlns:p14="http://schemas.microsoft.com/office/powerpoint/2010/main" val="620381204"/>
+        <p14:creationId xmlns:p14="http://schemas.microsoft.com/office/powerpoint/2010/main" xmlns="" val="620381204"/>
       </p:ext>
     </p:extLst>
   </p:cSld>
@@ -14497,7 +14538,7 @@
     </p:spTree>
     <p:extLst>
       <p:ext uri="{BB962C8B-B14F-4D97-AF65-F5344CB8AC3E}">
-        <p14:creationId xmlns:p14="http://schemas.microsoft.com/office/powerpoint/2010/main" val="3856090316"/>
+        <p14:creationId xmlns:p14="http://schemas.microsoft.com/office/powerpoint/2010/main" xmlns="" val="3856090316"/>
       </p:ext>
     </p:extLst>
   </p:cSld>
@@ -14536,7 +14577,7 @@
           <a:blip r:embed="rId2">
             <a:extLst>
               <a:ext uri="{28A0092B-C50C-407E-A947-70E740481C1C}">
-                <a14:useLocalDpi xmlns:a14="http://schemas.microsoft.com/office/drawing/2010/main" val="0"/>
+                <a14:useLocalDpi xmlns:a14="http://schemas.microsoft.com/office/drawing/2010/main" xmlns="" val="0"/>
               </a:ext>
             </a:extLst>
           </a:blip>
@@ -14623,7 +14664,7 @@
     </p:spTree>
     <p:extLst>
       <p:ext uri="{BB962C8B-B14F-4D97-AF65-F5344CB8AC3E}">
-        <p14:creationId xmlns:p14="http://schemas.microsoft.com/office/powerpoint/2010/main" val="3844693081"/>
+        <p14:creationId xmlns:p14="http://schemas.microsoft.com/office/powerpoint/2010/main" xmlns="" val="3844693081"/>
       </p:ext>
     </p:extLst>
   </p:cSld>
@@ -14695,7 +14736,7 @@
           <a:blip r:embed="rId2">
             <a:extLst>
               <a:ext uri="{28A0092B-C50C-407E-A947-70E740481C1C}">
-                <a14:useLocalDpi xmlns:a14="http://schemas.microsoft.com/office/drawing/2010/main" val="0"/>
+                <a14:useLocalDpi xmlns:a14="http://schemas.microsoft.com/office/drawing/2010/main" xmlns="" val="0"/>
               </a:ext>
             </a:extLst>
           </a:blip>
@@ -14772,7 +14813,7 @@
     </p:spTree>
     <p:extLst>
       <p:ext uri="{BB962C8B-B14F-4D97-AF65-F5344CB8AC3E}">
-        <p14:creationId xmlns:p14="http://schemas.microsoft.com/office/powerpoint/2010/main" val="978968131"/>
+        <p14:creationId xmlns:p14="http://schemas.microsoft.com/office/powerpoint/2010/main" xmlns="" val="978968131"/>
       </p:ext>
     </p:extLst>
   </p:cSld>
@@ -14841,7 +14882,7 @@
           <a:blip r:embed="rId2">
             <a:extLst>
               <a:ext uri="{28A0092B-C50C-407E-A947-70E740481C1C}">
-                <a14:useLocalDpi xmlns:a14="http://schemas.microsoft.com/office/drawing/2010/main" val="0"/>
+                <a14:useLocalDpi xmlns:a14="http://schemas.microsoft.com/office/drawing/2010/main" xmlns="" val="0"/>
               </a:ext>
             </a:extLst>
           </a:blip>
@@ -14892,7 +14933,7 @@
     </p:spTree>
     <p:extLst>
       <p:ext uri="{BB962C8B-B14F-4D97-AF65-F5344CB8AC3E}">
-        <p14:creationId xmlns:p14="http://schemas.microsoft.com/office/powerpoint/2010/main" val="1835120754"/>
+        <p14:creationId xmlns:p14="http://schemas.microsoft.com/office/powerpoint/2010/main" xmlns="" val="1835120754"/>
       </p:ext>
     </p:extLst>
   </p:cSld>
@@ -14976,7 +15017,7 @@
     </p:spTree>
     <p:extLst>
       <p:ext uri="{BB962C8B-B14F-4D97-AF65-F5344CB8AC3E}">
-        <p14:creationId xmlns:p14="http://schemas.microsoft.com/office/powerpoint/2010/main" val="2395435773"/>
+        <p14:creationId xmlns:p14="http://schemas.microsoft.com/office/powerpoint/2010/main" xmlns="" val="2395435773"/>
       </p:ext>
     </p:extLst>
   </p:cSld>
@@ -15015,7 +15056,7 @@
           <p:cNvPr id="2" name="Title 1">
             <a:extLst>
               <a:ext uri="{FF2B5EF4-FFF2-40B4-BE49-F238E27FC236}">
-                <a16:creationId xmlns="" xmlns:a16="http://schemas.microsoft.com/office/drawing/2014/main" id="{167F27DD-56C7-D279-37E6-65EAC02C170D}"/>
+                <a16:creationId xmlns:a16="http://schemas.microsoft.com/office/drawing/2014/main" xmlns="" id="{167F27DD-56C7-D279-37E6-65EAC02C170D}"/>
               </a:ext>
             </a:extLst>
           </p:cNvPr>
@@ -15043,7 +15084,7 @@
           <p:cNvPr id="3" name="Content Placeholder 2">
             <a:extLst>
               <a:ext uri="{FF2B5EF4-FFF2-40B4-BE49-F238E27FC236}">
-                <a16:creationId xmlns="" xmlns:a16="http://schemas.microsoft.com/office/drawing/2014/main" id="{3A87A154-DE59-C30F-9D04-D34C89B69463}"/>
+                <a16:creationId xmlns:a16="http://schemas.microsoft.com/office/drawing/2014/main" xmlns="" id="{3A87A154-DE59-C30F-9D04-D34C89B69463}"/>
               </a:ext>
             </a:extLst>
           </p:cNvPr>
@@ -15119,7 +15160,7 @@
           <p:cNvPr id="4" name="Picture 3" descr="Image result for women harassment logo">
             <a:extLst>
               <a:ext uri="{FF2B5EF4-FFF2-40B4-BE49-F238E27FC236}">
-                <a16:creationId xmlns="" xmlns:a16="http://schemas.microsoft.com/office/drawing/2014/main" id="{41501826-AFB8-A6DC-B976-931FDC444F1A}"/>
+                <a16:creationId xmlns:a16="http://schemas.microsoft.com/office/drawing/2014/main" xmlns="" id="{41501826-AFB8-A6DC-B976-931FDC444F1A}"/>
               </a:ext>
             </a:extLst>
           </p:cNvPr>
@@ -15147,7 +15188,7 @@
     </p:spTree>
     <p:extLst>
       <p:ext uri="{BB962C8B-B14F-4D97-AF65-F5344CB8AC3E}">
-        <p14:creationId xmlns:p14="http://schemas.microsoft.com/office/powerpoint/2010/main" val="4227701739"/>
+        <p14:creationId xmlns:p14="http://schemas.microsoft.com/office/powerpoint/2010/main" xmlns="" val="4227701739"/>
       </p:ext>
     </p:extLst>
   </p:cSld>
@@ -15245,7 +15286,7 @@
     </p:spTree>
     <p:extLst>
       <p:ext uri="{BB962C8B-B14F-4D97-AF65-F5344CB8AC3E}">
-        <p14:creationId xmlns:p14="http://schemas.microsoft.com/office/powerpoint/2010/main" val="175349638"/>
+        <p14:creationId xmlns:p14="http://schemas.microsoft.com/office/powerpoint/2010/main" xmlns="" val="175349638"/>
       </p:ext>
     </p:extLst>
   </p:cSld>
@@ -15497,7 +15538,7 @@
     </p:spTree>
     <p:extLst>
       <p:ext uri="{BB962C8B-B14F-4D97-AF65-F5344CB8AC3E}">
-        <p14:creationId xmlns:p14="http://schemas.microsoft.com/office/powerpoint/2010/main" val="2623197214"/>
+        <p14:creationId xmlns:p14="http://schemas.microsoft.com/office/powerpoint/2010/main" xmlns="" val="2623197214"/>
       </p:ext>
     </p:extLst>
   </p:cSld>
@@ -15529,7 +15570,7 @@
           <p:cNvPr id="2" name="Title 1">
             <a:extLst>
               <a:ext uri="{FF2B5EF4-FFF2-40B4-BE49-F238E27FC236}">
-                <a16:creationId xmlns="" xmlns:a16="http://schemas.microsoft.com/office/drawing/2014/main" id="{AEE0586C-08C0-4B9D-F184-97335E9C0CC3}"/>
+                <a16:creationId xmlns:a16="http://schemas.microsoft.com/office/drawing/2014/main" xmlns="" id="{AEE0586C-08C0-4B9D-F184-97335E9C0CC3}"/>
               </a:ext>
             </a:extLst>
           </p:cNvPr>
@@ -15557,7 +15598,7 @@
           <p:cNvPr id="6" name="Content Placeholder 5">
             <a:extLst>
               <a:ext uri="{FF2B5EF4-FFF2-40B4-BE49-F238E27FC236}">
-                <a16:creationId xmlns="" xmlns:a16="http://schemas.microsoft.com/office/drawing/2014/main" id="{361AF699-D856-7D03-27CE-EA30B9CD77C1}"/>
+                <a16:creationId xmlns:a16="http://schemas.microsoft.com/office/drawing/2014/main" xmlns="" id="{361AF699-D856-7D03-27CE-EA30B9CD77C1}"/>
               </a:ext>
             </a:extLst>
           </p:cNvPr>
@@ -15752,7 +15793,7 @@
     </p:spTree>
     <p:extLst>
       <p:ext uri="{BB962C8B-B14F-4D97-AF65-F5344CB8AC3E}">
-        <p14:creationId xmlns:p14="http://schemas.microsoft.com/office/powerpoint/2010/main" val="2468559635"/>
+        <p14:creationId xmlns:p14="http://schemas.microsoft.com/office/powerpoint/2010/main" xmlns="" val="2468559635"/>
       </p:ext>
     </p:extLst>
   </p:cSld>
@@ -15791,7 +15832,7 @@
           <p:cNvPr id="3" name="Content Placeholder 2">
             <a:extLst>
               <a:ext uri="{FF2B5EF4-FFF2-40B4-BE49-F238E27FC236}">
-                <a16:creationId xmlns="" xmlns:a16="http://schemas.microsoft.com/office/drawing/2014/main" id="{ED86179C-385B-2A19-3C3B-65326CCC90DD}"/>
+                <a16:creationId xmlns:a16="http://schemas.microsoft.com/office/drawing/2014/main" xmlns="" id="{ED86179C-385B-2A19-3C3B-65326CCC90DD}"/>
               </a:ext>
             </a:extLst>
           </p:cNvPr>
@@ -15868,7 +15909,7 @@
     </p:spTree>
     <p:extLst>
       <p:ext uri="{BB962C8B-B14F-4D97-AF65-F5344CB8AC3E}">
-        <p14:creationId xmlns:p14="http://schemas.microsoft.com/office/powerpoint/2010/main" val="1520944495"/>
+        <p14:creationId xmlns:p14="http://schemas.microsoft.com/office/powerpoint/2010/main" xmlns="" val="1520944495"/>
       </p:ext>
     </p:extLst>
   </p:cSld>
@@ -15907,7 +15948,7 @@
           <p:cNvPr id="2" name="Title 1">
             <a:extLst>
               <a:ext uri="{FF2B5EF4-FFF2-40B4-BE49-F238E27FC236}">
-                <a16:creationId xmlns="" xmlns:a16="http://schemas.microsoft.com/office/drawing/2014/main" id="{411D2292-D71B-C8EE-D4CE-EF9CA34ABFBC}"/>
+                <a16:creationId xmlns:a16="http://schemas.microsoft.com/office/drawing/2014/main" xmlns="" id="{411D2292-D71B-C8EE-D4CE-EF9CA34ABFBC}"/>
               </a:ext>
             </a:extLst>
           </p:cNvPr>
@@ -15935,7 +15976,7 @@
           <p:cNvPr id="3" name="Content Placeholder 2">
             <a:extLst>
               <a:ext uri="{FF2B5EF4-FFF2-40B4-BE49-F238E27FC236}">
-                <a16:creationId xmlns="" xmlns:a16="http://schemas.microsoft.com/office/drawing/2014/main" id="{DD8FD617-665B-70A1-3D5B-3583ABFB5628}"/>
+                <a16:creationId xmlns:a16="http://schemas.microsoft.com/office/drawing/2014/main" xmlns="" id="{DD8FD617-665B-70A1-3D5B-3583ABFB5628}"/>
               </a:ext>
             </a:extLst>
           </p:cNvPr>
@@ -15980,7 +16021,7 @@
           <p:cNvPr id="4" name="Picture 3" descr="Image result for rape statistics in india">
             <a:extLst>
               <a:ext uri="{FF2B5EF4-FFF2-40B4-BE49-F238E27FC236}">
-                <a16:creationId xmlns="" xmlns:a16="http://schemas.microsoft.com/office/drawing/2014/main" id="{F9D3708C-02E3-E2E9-B4B7-F759D9758B87}"/>
+                <a16:creationId xmlns:a16="http://schemas.microsoft.com/office/drawing/2014/main" xmlns="" id="{F9D3708C-02E3-E2E9-B4B7-F759D9758B87}"/>
               </a:ext>
             </a:extLst>
           </p:cNvPr>
@@ -16008,7 +16049,7 @@
     </p:spTree>
     <p:extLst>
       <p:ext uri="{BB962C8B-B14F-4D97-AF65-F5344CB8AC3E}">
-        <p14:creationId xmlns:p14="http://schemas.microsoft.com/office/powerpoint/2010/main" val="2109976755"/>
+        <p14:creationId xmlns:p14="http://schemas.microsoft.com/office/powerpoint/2010/main" xmlns="" val="2109976755"/>
       </p:ext>
     </p:extLst>
   </p:cSld>
@@ -16047,7 +16088,7 @@
           <p:cNvPr id="2" name="Title 1">
             <a:extLst>
               <a:ext uri="{FF2B5EF4-FFF2-40B4-BE49-F238E27FC236}">
-                <a16:creationId xmlns="" xmlns:a16="http://schemas.microsoft.com/office/drawing/2014/main" id="{7B286594-57AB-1636-FBA8-917635E2B4B6}"/>
+                <a16:creationId xmlns:a16="http://schemas.microsoft.com/office/drawing/2014/main" xmlns="" id="{7B286594-57AB-1636-FBA8-917635E2B4B6}"/>
               </a:ext>
             </a:extLst>
           </p:cNvPr>
@@ -16075,7 +16116,7 @@
           <p:cNvPr id="3" name="Content Placeholder 2">
             <a:extLst>
               <a:ext uri="{FF2B5EF4-FFF2-40B4-BE49-F238E27FC236}">
-                <a16:creationId xmlns="" xmlns:a16="http://schemas.microsoft.com/office/drawing/2014/main" id="{64130D16-3E6B-AE49-E401-C3A38457C0DF}"/>
+                <a16:creationId xmlns:a16="http://schemas.microsoft.com/office/drawing/2014/main" xmlns="" id="{64130D16-3E6B-AE49-E401-C3A38457C0DF}"/>
               </a:ext>
             </a:extLst>
           </p:cNvPr>
@@ -16166,7 +16207,7 @@
     </p:spTree>
     <p:extLst>
       <p:ext uri="{BB962C8B-B14F-4D97-AF65-F5344CB8AC3E}">
-        <p14:creationId xmlns:p14="http://schemas.microsoft.com/office/powerpoint/2010/main" val="2059876831"/>
+        <p14:creationId xmlns:p14="http://schemas.microsoft.com/office/powerpoint/2010/main" xmlns="" val="2059876831"/>
       </p:ext>
     </p:extLst>
   </p:cSld>
@@ -16205,7 +16246,7 @@
           <p:cNvPr id="2" name="Title 1">
             <a:extLst>
               <a:ext uri="{FF2B5EF4-FFF2-40B4-BE49-F238E27FC236}">
-                <a16:creationId xmlns="" xmlns:a16="http://schemas.microsoft.com/office/drawing/2014/main" id="{66794BED-4D09-1B38-B236-F7ABCBC46605}"/>
+                <a16:creationId xmlns:a16="http://schemas.microsoft.com/office/drawing/2014/main" xmlns="" id="{66794BED-4D09-1B38-B236-F7ABCBC46605}"/>
               </a:ext>
             </a:extLst>
           </p:cNvPr>
@@ -16233,7 +16274,7 @@
           <p:cNvPr id="5" name="Content Placeholder 4">
             <a:extLst>
               <a:ext uri="{FF2B5EF4-FFF2-40B4-BE49-F238E27FC236}">
-                <a16:creationId xmlns="" xmlns:a16="http://schemas.microsoft.com/office/drawing/2014/main" id="{5236BDFE-DD0B-E273-11A1-1F0BF961B1DD}"/>
+                <a16:creationId xmlns:a16="http://schemas.microsoft.com/office/drawing/2014/main" xmlns="" id="{5236BDFE-DD0B-E273-11A1-1F0BF961B1DD}"/>
               </a:ext>
             </a:extLst>
           </p:cNvPr>
@@ -16290,7 +16331,7 @@
     </p:spTree>
     <p:extLst>
       <p:ext uri="{BB962C8B-B14F-4D97-AF65-F5344CB8AC3E}">
-        <p14:creationId xmlns:p14="http://schemas.microsoft.com/office/powerpoint/2010/main" val="1530828820"/>
+        <p14:creationId xmlns:p14="http://schemas.microsoft.com/office/powerpoint/2010/main" xmlns="" val="1530828820"/>
       </p:ext>
     </p:extLst>
   </p:cSld>
@@ -16329,7 +16370,7 @@
           <p:cNvPr id="2" name="Title 1">
             <a:extLst>
               <a:ext uri="{FF2B5EF4-FFF2-40B4-BE49-F238E27FC236}">
-                <a16:creationId xmlns="" xmlns:a16="http://schemas.microsoft.com/office/drawing/2014/main" id="{17DF3C24-3997-413C-C68C-3FF06A1944C5}"/>
+                <a16:creationId xmlns:a16="http://schemas.microsoft.com/office/drawing/2014/main" xmlns="" id="{17DF3C24-3997-413C-C68C-3FF06A1944C5}"/>
               </a:ext>
             </a:extLst>
           </p:cNvPr>
@@ -16357,7 +16398,7 @@
           <p:cNvPr id="3" name="Content Placeholder 2">
             <a:extLst>
               <a:ext uri="{FF2B5EF4-FFF2-40B4-BE49-F238E27FC236}">
-                <a16:creationId xmlns="" xmlns:a16="http://schemas.microsoft.com/office/drawing/2014/main" id="{6C074C53-9C46-A04B-A8E5-EBB3FBB51564}"/>
+                <a16:creationId xmlns:a16="http://schemas.microsoft.com/office/drawing/2014/main" xmlns="" id="{6C074C53-9C46-A04B-A8E5-EBB3FBB51564}"/>
               </a:ext>
             </a:extLst>
           </p:cNvPr>
@@ -16573,7 +16614,7 @@
           <p:cNvPr id="4" name="TextBox 3">
             <a:extLst>
               <a:ext uri="{FF2B5EF4-FFF2-40B4-BE49-F238E27FC236}">
-                <a16:creationId xmlns="" xmlns:a16="http://schemas.microsoft.com/office/drawing/2014/main" id="{6F50E26A-647F-05A5-A237-22CE43D1E0F5}"/>
+                <a16:creationId xmlns:a16="http://schemas.microsoft.com/office/drawing/2014/main" xmlns="" id="{6F50E26A-647F-05A5-A237-22CE43D1E0F5}"/>
               </a:ext>
             </a:extLst>
           </p:cNvPr>
@@ -16729,7 +16770,7 @@
     </p:spTree>
     <p:extLst>
       <p:ext uri="{BB962C8B-B14F-4D97-AF65-F5344CB8AC3E}">
-        <p14:creationId xmlns:p14="http://schemas.microsoft.com/office/powerpoint/2010/main" val="1998500424"/>
+        <p14:creationId xmlns:p14="http://schemas.microsoft.com/office/powerpoint/2010/main" xmlns="" val="1998500424"/>
       </p:ext>
     </p:extLst>
   </p:cSld>
@@ -16768,7 +16809,7 @@
           <p:cNvPr id="2" name="Title 1">
             <a:extLst>
               <a:ext uri="{FF2B5EF4-FFF2-40B4-BE49-F238E27FC236}">
-                <a16:creationId xmlns="" xmlns:a16="http://schemas.microsoft.com/office/drawing/2014/main" id="{9DA3370E-95EB-5E3E-9C9E-187DEB23697F}"/>
+                <a16:creationId xmlns:a16="http://schemas.microsoft.com/office/drawing/2014/main" xmlns="" id="{9DA3370E-95EB-5E3E-9C9E-187DEB23697F}"/>
               </a:ext>
             </a:extLst>
           </p:cNvPr>
@@ -16796,7 +16837,7 @@
           <p:cNvPr id="6" name="Content Placeholder 5">
             <a:extLst>
               <a:ext uri="{FF2B5EF4-FFF2-40B4-BE49-F238E27FC236}">
-                <a16:creationId xmlns="" xmlns:a16="http://schemas.microsoft.com/office/drawing/2014/main" id="{0D06B0C8-BE83-AC52-761D-61CD323ED6E8}"/>
+                <a16:creationId xmlns:a16="http://schemas.microsoft.com/office/drawing/2014/main" xmlns="" id="{0D06B0C8-BE83-AC52-761D-61CD323ED6E8}"/>
               </a:ext>
             </a:extLst>
           </p:cNvPr>
@@ -16925,7 +16966,7 @@
     </p:spTree>
     <p:extLst>
       <p:ext uri="{BB962C8B-B14F-4D97-AF65-F5344CB8AC3E}">
-        <p14:creationId xmlns:p14="http://schemas.microsoft.com/office/powerpoint/2010/main" val="895635410"/>
+        <p14:creationId xmlns:p14="http://schemas.microsoft.com/office/powerpoint/2010/main" xmlns="" val="895635410"/>
       </p:ext>
     </p:extLst>
   </p:cSld>
@@ -16985,7 +17026,7 @@
     </a:clrScheme>
     <a:fontScheme name="Ion Boardroom">
       <a:majorFont>
-        <a:latin typeface="Century Gothic" panose="020B0502020202020204"/>
+        <a:latin typeface="Century Gothic"/>
         <a:ea typeface=""/>
         <a:cs typeface=""/>
         <a:font script="Jpan" typeface="メイリオ"/>
@@ -17020,7 +17061,7 @@
         <a:font script="Geor" typeface="Sylfaen"/>
       </a:majorFont>
       <a:minorFont>
-        <a:latin typeface="Century Gothic" panose="020B0502020202020204"/>
+        <a:latin typeface="Century Gothic"/>
         <a:ea typeface=""/>
         <a:cs typeface=""/>
         <a:font script="Jpan" typeface="メイリオ"/>
@@ -17200,7 +17241,7 @@
   <a:extraClrSchemeLst/>
   <a:extLst>
     <a:ext uri="{05A4C25C-085E-4340-85A3-A5531E510DB2}">
-      <thm15:themeFamily xmlns:thm15="http://schemas.microsoft.com/office/thememl/2012/main" name="Ion Boardroom" id="{FC33163D-4339-46B1-8EED-24C834239D99}" vid="{B8502691-933B-45FE-8764-BA278511EF27}"/>
+      <thm15:themeFamily xmlns:thm15="http://schemas.microsoft.com/office/thememl/2012/main" xmlns="" name="Ion Boardroom" id="{FC33163D-4339-46B1-8EED-24C834239D99}" vid="{B8502691-933B-45FE-8764-BA278511EF27}"/>
     </a:ext>
   </a:extLst>
 </a:theme>
